--- a/publications/interseccoes-entre-linked-art-e-spectrum/files/static/apresentaçao CIDOC 2023.pptx
+++ b/publications/interseccoes-entre-linked-art-e-spectrum/files/static/apresentaçao CIDOC 2023.pptx
@@ -5,7 +5,7 @@
     <p:sldMasterId id="2147483648" r:id="rId1"/>
   </p:sldMasterIdLst>
   <p:notesMasterIdLst>
-    <p:notesMasterId r:id="rId15"/>
+    <p:notesMasterId r:id="rId14"/>
   </p:notesMasterIdLst>
   <p:sldIdLst>
     <p:sldId id="256" r:id="rId2"/>
@@ -20,7 +20,6 @@
     <p:sldId id="277" r:id="rId11"/>
     <p:sldId id="278" r:id="rId12"/>
     <p:sldId id="268" r:id="rId13"/>
-    <p:sldId id="274" r:id="rId14"/>
   </p:sldIdLst>
   <p:sldSz cx="18288000" cy="10287000"/>
   <p:notesSz cx="6858000" cy="9144000"/>
@@ -1964,7 +1963,7 @@
           </a:ln>
           <a:extLst>
             <a:ext uri="{C572A759-6A51-4108-AA02-DFA0A04FC94B}">
-              <ma14:wrappingTextBoxFlag xmlns="" xmlns:m="http://schemas.openxmlformats.org/officeDocument/2006/math" xmlns:a14="http://schemas.microsoft.com/office/drawing/2010/main" xmlns:ma14="http://schemas.microsoft.com/office/mac/drawingml/2011/main" val="1"/>
+              <ma14:wrappingTextBoxFlag xmlns:ma14="http://schemas.microsoft.com/office/mac/drawingml/2011/main" xmlns:a14="http://schemas.microsoft.com/office/drawing/2010/main" xmlns:m="http://schemas.openxmlformats.org/officeDocument/2006/math" xmlns="" val="1"/>
             </a:ext>
           </a:extLst>
         </p:spPr>
@@ -2003,7 +2002,7 @@
           </a:ln>
           <a:extLst>
             <a:ext uri="{C572A759-6A51-4108-AA02-DFA0A04FC94B}">
-              <ma14:wrappingTextBoxFlag xmlns="" xmlns:m="http://schemas.openxmlformats.org/officeDocument/2006/math" xmlns:a14="http://schemas.microsoft.com/office/drawing/2010/main" xmlns:ma14="http://schemas.microsoft.com/office/mac/drawingml/2011/main" val="1"/>
+              <ma14:wrappingTextBoxFlag xmlns:ma14="http://schemas.microsoft.com/office/mac/drawingml/2011/main" xmlns:a14="http://schemas.microsoft.com/office/drawing/2010/main" xmlns:m="http://schemas.openxmlformats.org/officeDocument/2006/math" xmlns="" val="1"/>
             </a:ext>
           </a:extLst>
         </p:spPr>
@@ -2877,7 +2876,7 @@
           </a:ln>
           <a:extLst>
             <a:ext uri="{C572A759-6A51-4108-AA02-DFA0A04FC94B}">
-              <ma14:wrappingTextBoxFlag xmlns="" xmlns:m="http://schemas.openxmlformats.org/officeDocument/2006/math" xmlns:a14="http://schemas.microsoft.com/office/drawing/2010/main" xmlns:ma14="http://schemas.microsoft.com/office/mac/drawingml/2011/main" val="1"/>
+              <ma14:wrappingTextBoxFlag xmlns:ma14="http://schemas.microsoft.com/office/mac/drawingml/2011/main" xmlns:a14="http://schemas.microsoft.com/office/drawing/2010/main" xmlns:m="http://schemas.openxmlformats.org/officeDocument/2006/math" xmlns="" val="1"/>
             </a:ext>
           </a:extLst>
         </p:spPr>
@@ -2919,7 +2918,7 @@
           </a:ln>
           <a:extLst>
             <a:ext uri="{C572A759-6A51-4108-AA02-DFA0A04FC94B}">
-              <ma14:wrappingTextBoxFlag xmlns="" xmlns:m="http://schemas.openxmlformats.org/officeDocument/2006/math" xmlns:a14="http://schemas.microsoft.com/office/drawing/2010/main" xmlns:ma14="http://schemas.microsoft.com/office/mac/drawingml/2011/main" val="1"/>
+              <ma14:wrappingTextBoxFlag xmlns:ma14="http://schemas.microsoft.com/office/mac/drawingml/2011/main" xmlns:a14="http://schemas.microsoft.com/office/drawing/2010/main" xmlns:m="http://schemas.openxmlformats.org/officeDocument/2006/math" xmlns="" val="1"/>
             </a:ext>
           </a:extLst>
         </p:spPr>
@@ -2961,7 +2960,7 @@
           </a:ln>
           <a:extLst>
             <a:ext uri="{C572A759-6A51-4108-AA02-DFA0A04FC94B}">
-              <ma14:wrappingTextBoxFlag xmlns="" xmlns:m="http://schemas.openxmlformats.org/officeDocument/2006/math" xmlns:a14="http://schemas.microsoft.com/office/drawing/2010/main" xmlns:ma14="http://schemas.microsoft.com/office/mac/drawingml/2011/main" val="1"/>
+              <ma14:wrappingTextBoxFlag xmlns:ma14="http://schemas.microsoft.com/office/mac/drawingml/2011/main" xmlns:a14="http://schemas.microsoft.com/office/drawing/2010/main" xmlns:m="http://schemas.openxmlformats.org/officeDocument/2006/math" xmlns="" val="1"/>
             </a:ext>
           </a:extLst>
         </p:spPr>
@@ -3003,7 +3002,7 @@
           </a:ln>
           <a:extLst>
             <a:ext uri="{C572A759-6A51-4108-AA02-DFA0A04FC94B}">
-              <ma14:wrappingTextBoxFlag xmlns="" xmlns:m="http://schemas.openxmlformats.org/officeDocument/2006/math" xmlns:a14="http://schemas.microsoft.com/office/drawing/2010/main" xmlns:ma14="http://schemas.microsoft.com/office/mac/drawingml/2011/main" val="1"/>
+              <ma14:wrappingTextBoxFlag xmlns:ma14="http://schemas.microsoft.com/office/mac/drawingml/2011/main" xmlns:a14="http://schemas.microsoft.com/office/drawing/2010/main" xmlns:m="http://schemas.openxmlformats.org/officeDocument/2006/math" xmlns="" val="1"/>
             </a:ext>
           </a:extLst>
         </p:spPr>
@@ -3151,7 +3150,7 @@
           </a:ln>
           <a:extLst>
             <a:ext uri="{C572A759-6A51-4108-AA02-DFA0A04FC94B}">
-              <ma14:wrappingTextBoxFlag xmlns="" xmlns:m="http://schemas.openxmlformats.org/officeDocument/2006/math" xmlns:a14="http://schemas.microsoft.com/office/drawing/2010/main" xmlns:ma14="http://schemas.microsoft.com/office/mac/drawingml/2011/main" val="1"/>
+              <ma14:wrappingTextBoxFlag xmlns:ma14="http://schemas.microsoft.com/office/mac/drawingml/2011/main" xmlns:a14="http://schemas.microsoft.com/office/drawing/2010/main" xmlns:m="http://schemas.openxmlformats.org/officeDocument/2006/math" xmlns="" val="1"/>
             </a:ext>
           </a:extLst>
         </p:spPr>
@@ -3347,7 +3346,7 @@
           </a:ln>
           <a:extLst>
             <a:ext uri="{C572A759-6A51-4108-AA02-DFA0A04FC94B}">
-              <ma14:wrappingTextBoxFlag xmlns="" xmlns:m="http://schemas.openxmlformats.org/officeDocument/2006/math" xmlns:a14="http://schemas.microsoft.com/office/drawing/2010/main" xmlns:ma14="http://schemas.microsoft.com/office/mac/drawingml/2011/main" val="1"/>
+              <ma14:wrappingTextBoxFlag xmlns:ma14="http://schemas.microsoft.com/office/mac/drawingml/2011/main" xmlns:a14="http://schemas.microsoft.com/office/drawing/2010/main" xmlns:m="http://schemas.openxmlformats.org/officeDocument/2006/math" xmlns="" val="1"/>
             </a:ext>
           </a:extLst>
         </p:spPr>
@@ -3445,97 +3444,16 @@
           <a:chExt cx="0" cy="0"/>
         </a:xfrm>
       </p:grpSpPr>
-      <p:pic>
-        <p:nvPicPr>
-          <p:cNvPr id="191" name="Picture 2" descr="Picture 2"/>
-          <p:cNvPicPr>
-            <a:picLocks noChangeAspect="1"/>
-          </p:cNvPicPr>
-          <p:nvPr/>
-        </p:nvPicPr>
-        <p:blipFill>
-          <a:blip r:embed="rId2"/>
-          <a:stretch>
-            <a:fillRect/>
-          </a:stretch>
-        </p:blipFill>
-        <p:spPr>
-          <a:xfrm>
-            <a:off x="12921601" y="4908158"/>
-            <a:ext cx="959557" cy="959557"/>
-          </a:xfrm>
-          <a:prstGeom prst="rect">
-            <a:avLst/>
-          </a:prstGeom>
-          <a:ln w="12700">
-            <a:miter lim="400000"/>
-          </a:ln>
-        </p:spPr>
-      </p:pic>
-      <p:pic>
-        <p:nvPicPr>
-          <p:cNvPr id="192" name="Picture 3" descr="Picture 3"/>
-          <p:cNvPicPr>
-            <a:picLocks noChangeAspect="1"/>
-          </p:cNvPicPr>
-          <p:nvPr/>
-        </p:nvPicPr>
-        <p:blipFill>
-          <a:blip r:embed="rId2"/>
-          <a:stretch>
-            <a:fillRect/>
-          </a:stretch>
-        </p:blipFill>
-        <p:spPr>
-          <a:xfrm>
-            <a:off x="1028700" y="4908158"/>
-            <a:ext cx="959555" cy="959557"/>
-          </a:xfrm>
-          <a:prstGeom prst="rect">
-            <a:avLst/>
-          </a:prstGeom>
-          <a:ln w="12700">
-            <a:miter lim="400000"/>
-          </a:ln>
-        </p:spPr>
-      </p:pic>
-      <p:pic>
-        <p:nvPicPr>
-          <p:cNvPr id="193" name="Picture 4" descr="Picture 4"/>
-          <p:cNvPicPr>
-            <a:picLocks noChangeAspect="1"/>
-          </p:cNvPicPr>
-          <p:nvPr/>
-        </p:nvPicPr>
-        <p:blipFill>
-          <a:blip r:embed="rId2"/>
-          <a:stretch>
-            <a:fillRect/>
-          </a:stretch>
-        </p:blipFill>
-        <p:spPr>
-          <a:xfrm>
-            <a:off x="7030000" y="4908158"/>
-            <a:ext cx="959557" cy="959557"/>
-          </a:xfrm>
-          <a:prstGeom prst="rect">
-            <a:avLst/>
-          </a:prstGeom>
-          <a:ln w="12700">
-            <a:miter lim="400000"/>
-          </a:ln>
-        </p:spPr>
-      </p:pic>
       <p:sp>
         <p:nvSpPr>
-          <p:cNvPr id="194" name="TextBox 5"/>
+          <p:cNvPr id="195" name="TextBox 6"/>
           <p:cNvSpPr txBox="1"/>
           <p:nvPr/>
         </p:nvSpPr>
         <p:spPr>
           <a:xfrm>
-            <a:off x="1028699" y="8037531"/>
-            <a:ext cx="4130307" cy="988317"/>
+            <a:off x="1028699" y="6092354"/>
+            <a:ext cx="4130307" cy="379399"/>
           </a:xfrm>
           <a:prstGeom prst="rect">
             <a:avLst/>
@@ -3545,49 +3463,7 @@
           </a:ln>
           <a:extLst>
             <a:ext uri="{C572A759-6A51-4108-AA02-DFA0A04FC94B}">
-              <ma14:wrappingTextBoxFlag xmlns="" xmlns:m="http://schemas.openxmlformats.org/officeDocument/2006/math" xmlns:a14="http://schemas.microsoft.com/office/drawing/2010/main" xmlns:ma14="http://schemas.microsoft.com/office/mac/drawingml/2011/main" val="1"/>
-            </a:ext>
-          </a:extLst>
-        </p:spPr>
-        <p:txBody>
-          <a:bodyPr lIns="0" tIns="0" rIns="0" bIns="0">
-            <a:spAutoFit/>
-          </a:bodyPr>
-          <a:lstStyle>
-            <a:lvl1pPr>
-              <a:lnSpc>
-                <a:spcPts val="2600"/>
-              </a:lnSpc>
-              <a:defRPr sz="2000"/>
-            </a:lvl1pPr>
-          </a:lstStyle>
-          <a:p>
-            <a:r>
-              <a:t>Donec nulla erat, ullamcorper eu elementum id, placerat feugiat nisi.</a:t>
-            </a:r>
-          </a:p>
-        </p:txBody>
-      </p:sp>
-      <p:sp>
-        <p:nvSpPr>
-          <p:cNvPr id="195" name="TextBox 6"/>
-          <p:cNvSpPr txBox="1"/>
-          <p:nvPr/>
-        </p:nvSpPr>
-        <p:spPr>
-          <a:xfrm>
-            <a:off x="1028699" y="6092354"/>
-            <a:ext cx="4130307" cy="1178868"/>
-          </a:xfrm>
-          <a:prstGeom prst="rect">
-            <a:avLst/>
-          </a:prstGeom>
-          <a:ln w="12700">
-            <a:miter lim="400000"/>
-          </a:ln>
-          <a:extLst>
-            <a:ext uri="{C572A759-6A51-4108-AA02-DFA0A04FC94B}">
-              <ma14:wrappingTextBoxFlag xmlns="" xmlns:m="http://schemas.openxmlformats.org/officeDocument/2006/math" xmlns:a14="http://schemas.microsoft.com/office/drawing/2010/main" xmlns:ma14="http://schemas.microsoft.com/office/mac/drawingml/2011/main" val="1"/>
+              <ma14:wrappingTextBoxFlag xmlns:ma14="http://schemas.microsoft.com/office/mac/drawingml/2011/main" xmlns:a14="http://schemas.microsoft.com/office/drawing/2010/main" xmlns:m="http://schemas.openxmlformats.org/officeDocument/2006/math" xmlns="" val="1"/>
             </a:ext>
           </a:extLst>
         </p:spPr>
@@ -3613,50 +3489,10 @@
           </a:lstStyle>
           <a:p>
             <a:r>
-              <a:t>DUIS VULPUTATE ENIM AT SAPIEN FRINGILLA EUISMOD.</a:t>
-            </a:r>
-          </a:p>
-        </p:txBody>
-      </p:sp>
-      <p:sp>
-        <p:nvSpPr>
-          <p:cNvPr id="196" name="TextBox 7"/>
-          <p:cNvSpPr txBox="1"/>
-          <p:nvPr/>
-        </p:nvSpPr>
-        <p:spPr>
-          <a:xfrm>
-            <a:off x="7078846" y="7647006"/>
-            <a:ext cx="4130306" cy="1318517"/>
-          </a:xfrm>
-          <a:prstGeom prst="rect">
-            <a:avLst/>
-          </a:prstGeom>
-          <a:ln w="12700">
-            <a:miter lim="400000"/>
-          </a:ln>
-          <a:extLst>
-            <a:ext uri="{C572A759-6A51-4108-AA02-DFA0A04FC94B}">
-              <ma14:wrappingTextBoxFlag xmlns="" xmlns:m="http://schemas.openxmlformats.org/officeDocument/2006/math" xmlns:a14="http://schemas.microsoft.com/office/drawing/2010/main" xmlns:ma14="http://schemas.microsoft.com/office/mac/drawingml/2011/main" val="1"/>
-            </a:ext>
-          </a:extLst>
-        </p:spPr>
-        <p:txBody>
-          <a:bodyPr lIns="0" tIns="0" rIns="0" bIns="0">
-            <a:spAutoFit/>
-          </a:bodyPr>
-          <a:lstStyle>
-            <a:lvl1pPr>
-              <a:lnSpc>
-                <a:spcPts val="2600"/>
-              </a:lnSpc>
-              <a:defRPr sz="2000"/>
-            </a:lvl1pPr>
-          </a:lstStyle>
-          <a:p>
-            <a:r>
-              <a:t>Nunc interdum mattis ante sit amet condimentum. Duis metus nulla, condimentum eu semper non, molestie a elit.</a:t>
-            </a:r>
+              <a:rPr lang="pt-BR" dirty="0"/>
+              <a:t>henrique@hgod.in</a:t>
+            </a:r>
+            <a:endParaRPr dirty="0"/>
           </a:p>
         </p:txBody>
       </p:sp>
@@ -3668,8 +3504,8 @@
         </p:nvSpPr>
         <p:spPr>
           <a:xfrm>
-            <a:off x="7078846" y="6092354"/>
-            <a:ext cx="4130306" cy="785168"/>
+            <a:off x="6072554" y="6092354"/>
+            <a:ext cx="5136598" cy="776944"/>
           </a:xfrm>
           <a:prstGeom prst="rect">
             <a:avLst/>
@@ -3679,12 +3515,12 @@
           </a:ln>
           <a:extLst>
             <a:ext uri="{C572A759-6A51-4108-AA02-DFA0A04FC94B}">
-              <ma14:wrappingTextBoxFlag xmlns="" xmlns:m="http://schemas.openxmlformats.org/officeDocument/2006/math" xmlns:a14="http://schemas.microsoft.com/office/drawing/2010/main" xmlns:ma14="http://schemas.microsoft.com/office/mac/drawingml/2011/main" val="1"/>
+              <ma14:wrappingTextBoxFlag xmlns:ma14="http://schemas.microsoft.com/office/mac/drawingml/2011/main" xmlns:a14="http://schemas.microsoft.com/office/drawing/2010/main" xmlns:m="http://schemas.openxmlformats.org/officeDocument/2006/math" xmlns="" val="1"/>
             </a:ext>
           </a:extLst>
         </p:spPr>
         <p:txBody>
-          <a:bodyPr lIns="0" tIns="0" rIns="0" bIns="0">
+          <a:bodyPr wrap="square" lIns="0" tIns="0" rIns="0" bIns="0">
             <a:spAutoFit/>
           </a:bodyPr>
           <a:lstStyle>
@@ -3705,50 +3541,16 @@
           </a:lstStyle>
           <a:p>
             <a:r>
-              <a:t>QUISQUE MOLESTIE VENENATIS VIVERRA. </a:t>
-            </a:r>
-          </a:p>
-        </p:txBody>
-      </p:sp>
-      <p:sp>
-        <p:nvSpPr>
-          <p:cNvPr id="198" name="TextBox 9"/>
-          <p:cNvSpPr txBox="1"/>
-          <p:nvPr/>
-        </p:nvSpPr>
-        <p:spPr>
-          <a:xfrm>
-            <a:off x="13128995" y="7647006"/>
-            <a:ext cx="4130305" cy="1318517"/>
-          </a:xfrm>
-          <a:prstGeom prst="rect">
-            <a:avLst/>
-          </a:prstGeom>
-          <a:ln w="12700">
-            <a:miter lim="400000"/>
-          </a:ln>
-          <a:extLst>
-            <a:ext uri="{C572A759-6A51-4108-AA02-DFA0A04FC94B}">
-              <ma14:wrappingTextBoxFlag xmlns="" xmlns:m="http://schemas.openxmlformats.org/officeDocument/2006/math" xmlns:a14="http://schemas.microsoft.com/office/drawing/2010/main" xmlns:ma14="http://schemas.microsoft.com/office/mac/drawingml/2011/main" val="1"/>
-            </a:ext>
-          </a:extLst>
-        </p:spPr>
-        <p:txBody>
-          <a:bodyPr lIns="0" tIns="0" rIns="0" bIns="0">
-            <a:spAutoFit/>
-          </a:bodyPr>
-          <a:lstStyle>
-            <a:lvl1pPr>
-              <a:lnSpc>
-                <a:spcPts val="2600"/>
-              </a:lnSpc>
-              <a:defRPr sz="2000"/>
-            </a:lvl1pPr>
-          </a:lstStyle>
-          <a:p>
-            <a:r>
-              <a:t>Nam faucibus consectetur nibh, et malesuada eros convallis ut. Vivamus fermentum erat ut placerat ultricies.</a:t>
-            </a:r>
+              <a:rPr lang="pt-BR" dirty="0"/>
+              <a:t>https://elucidario.art</a:t>
+            </a:r>
+          </a:p>
+          <a:p>
+            <a:r>
+              <a:rPr lang="pt-BR" dirty="0"/>
+              <a:t>https://github.com/hgodinho/elucidario</a:t>
+            </a:r>
+            <a:endParaRPr dirty="0"/>
           </a:p>
         </p:txBody>
       </p:sp>
@@ -3761,7 +3563,7 @@
         <p:spPr>
           <a:xfrm>
             <a:off x="13128995" y="6092354"/>
-            <a:ext cx="4130305" cy="1178868"/>
+            <a:ext cx="4130305" cy="379399"/>
           </a:xfrm>
           <a:prstGeom prst="rect">
             <a:avLst/>
@@ -3771,7 +3573,7 @@
           </a:ln>
           <a:extLst>
             <a:ext uri="{C572A759-6A51-4108-AA02-DFA0A04FC94B}">
-              <ma14:wrappingTextBoxFlag xmlns="" xmlns:m="http://schemas.openxmlformats.org/officeDocument/2006/math" xmlns:a14="http://schemas.microsoft.com/office/drawing/2010/main" xmlns:ma14="http://schemas.microsoft.com/office/mac/drawingml/2011/main" val="1"/>
+              <ma14:wrappingTextBoxFlag xmlns:ma14="http://schemas.microsoft.com/office/mac/drawingml/2011/main" xmlns:a14="http://schemas.microsoft.com/office/drawing/2010/main" xmlns:m="http://schemas.openxmlformats.org/officeDocument/2006/math" xmlns="" val="1"/>
             </a:ext>
           </a:extLst>
         </p:spPr>
@@ -3797,8 +3599,10 @@
           </a:lstStyle>
           <a:p>
             <a:r>
-              <a:t>SUSPENDISSE FAUCIBUS NISI AC DAPIBUS PULVINAR.</a:t>
-            </a:r>
+              <a:rPr lang="pt-BR" dirty="0"/>
+              <a:t>@elucidario.art</a:t>
+            </a:r>
+            <a:endParaRPr dirty="0"/>
           </a:p>
         </p:txBody>
       </p:sp>
@@ -3811,7 +3615,7 @@
         <p:spPr>
           <a:xfrm>
             <a:off x="1028699" y="866774"/>
-            <a:ext cx="13537370" cy="1055465"/>
+            <a:ext cx="13537370" cy="3213508"/>
           </a:xfrm>
           <a:prstGeom prst="rect">
             <a:avLst/>
@@ -3821,7 +3625,7 @@
           </a:ln>
           <a:extLst>
             <a:ext uri="{C572A759-6A51-4108-AA02-DFA0A04FC94B}">
-              <ma14:wrappingTextBoxFlag xmlns="" xmlns:m="http://schemas.openxmlformats.org/officeDocument/2006/math" xmlns:a14="http://schemas.microsoft.com/office/drawing/2010/main" xmlns:ma14="http://schemas.microsoft.com/office/mac/drawingml/2011/main" val="1"/>
+              <ma14:wrappingTextBoxFlag xmlns:ma14="http://schemas.microsoft.com/office/mac/drawingml/2011/main" xmlns:a14="http://schemas.microsoft.com/office/drawing/2010/main" xmlns:m="http://schemas.openxmlformats.org/officeDocument/2006/math" xmlns="" val="1"/>
             </a:ext>
           </a:extLst>
         </p:spPr>
@@ -3843,506 +3647,104 @@
               </a:defRPr>
             </a:pPr>
             <a:r>
-              <a:t>Título </a:t>
-            </a:r>
-            <a:r>
-              <a:rPr>
-                <a:solidFill>
-                  <a:srgbClr val="E5AB55"/>
-                </a:solidFill>
-              </a:rPr>
-              <a:t>Title</a:t>
-            </a:r>
-          </a:p>
-        </p:txBody>
-      </p:sp>
-    </p:spTree>
-  </p:cSld>
-  <p:clrMapOvr>
-    <a:masterClrMapping/>
-  </p:clrMapOvr>
-  <p:transition spd="med"/>
-</p:sld>
-</file>
-
-<file path=ppt/slides/slide13.xml><?xml version="1.0" encoding="utf-8"?>
-<p:sld xmlns:a="http://schemas.openxmlformats.org/drawingml/2006/main" xmlns:r="http://schemas.openxmlformats.org/officeDocument/2006/relationships" xmlns:p="http://schemas.openxmlformats.org/presentationml/2006/main">
-  <p:cSld>
-    <p:spTree>
-      <p:nvGrpSpPr>
-        <p:cNvPr id="1" name=""/>
-        <p:cNvGrpSpPr/>
-        <p:nvPr/>
-      </p:nvGrpSpPr>
-      <p:grpSpPr>
-        <a:xfrm>
-          <a:off x="0" y="0"/>
-          <a:ext cx="0" cy="0"/>
-          <a:chOff x="0" y="0"/>
-          <a:chExt cx="0" cy="0"/>
-        </a:xfrm>
-      </p:grpSpPr>
-      <p:sp>
-        <p:nvSpPr>
-          <p:cNvPr id="323" name="Freeform 3"/>
-          <p:cNvSpPr/>
-          <p:nvPr/>
-        </p:nvSpPr>
-        <p:spPr>
-          <a:xfrm>
-            <a:off x="-8774427" y="-15170"/>
-            <a:ext cx="17189983" cy="10317341"/>
-          </a:xfrm>
-          <a:custGeom>
-            <a:avLst/>
-            <a:gdLst/>
-            <a:ahLst/>
-            <a:cxnLst>
-              <a:cxn ang="0">
-                <a:pos x="wd2" y="hd2"/>
-              </a:cxn>
-              <a:cxn ang="5400000">
-                <a:pos x="wd2" y="hd2"/>
-              </a:cxn>
-              <a:cxn ang="10800000">
-                <a:pos x="wd2" y="hd2"/>
-              </a:cxn>
-              <a:cxn ang="16200000">
-                <a:pos x="wd2" y="hd2"/>
-              </a:cxn>
-            </a:cxnLst>
-            <a:rect l="0" t="0" r="r" b="b"/>
-            <a:pathLst>
-              <a:path w="21600" h="21600" extrusionOk="0">
-                <a:moveTo>
-                  <a:pt x="16200" y="0"/>
-                </a:moveTo>
-                <a:lnTo>
-                  <a:pt x="5400" y="0"/>
-                </a:lnTo>
-                <a:lnTo>
-                  <a:pt x="0" y="10800"/>
-                </a:lnTo>
-                <a:lnTo>
-                  <a:pt x="5400" y="21600"/>
-                </a:lnTo>
-                <a:lnTo>
-                  <a:pt x="16200" y="21600"/>
-                </a:lnTo>
-                <a:lnTo>
-                  <a:pt x="21600" y="10800"/>
-                </a:lnTo>
-                <a:lnTo>
-                  <a:pt x="16200" y="0"/>
-                </a:lnTo>
-                <a:close/>
-              </a:path>
-            </a:pathLst>
-          </a:custGeom>
-          <a:solidFill>
-            <a:srgbClr val="10159F"/>
-          </a:solidFill>
-          <a:ln w="12700">
-            <a:miter lim="400000"/>
-          </a:ln>
-        </p:spPr>
-        <p:txBody>
-          <a:bodyPr lIns="45718" tIns="45718" rIns="45718" bIns="45718"/>
-          <a:lstStyle/>
-          <a:p>
-            <a:endParaRPr/>
-          </a:p>
-        </p:txBody>
-      </p:sp>
-      <p:grpSp>
-        <p:nvGrpSpPr>
-          <p:cNvPr id="326" name="Group 4"/>
-          <p:cNvGrpSpPr/>
-          <p:nvPr/>
-        </p:nvGrpSpPr>
-        <p:grpSpPr>
-          <a:xfrm>
-            <a:off x="1028699" y="3587498"/>
-            <a:ext cx="5016437" cy="3104215"/>
-            <a:chOff x="0" y="0"/>
-            <a:chExt cx="5016436" cy="3104214"/>
-          </a:xfrm>
-        </p:grpSpPr>
-        <p:sp>
-          <p:nvSpPr>
-            <p:cNvPr id="324" name="TextBox 5"/>
-            <p:cNvSpPr txBox="1"/>
-            <p:nvPr/>
-          </p:nvSpPr>
-          <p:spPr>
-            <a:xfrm>
-              <a:off x="-1" y="0"/>
-              <a:ext cx="5016437" cy="1762232"/>
-            </a:xfrm>
-            <a:prstGeom prst="rect">
-              <a:avLst/>
-            </a:prstGeom>
-            <a:noFill/>
-            <a:ln w="12700" cap="flat">
-              <a:noFill/>
-              <a:miter lim="400000"/>
-            </a:ln>
-            <a:effectLst/>
-            <a:extLst>
-              <a:ext uri="{C572A759-6A51-4108-AA02-DFA0A04FC94B}">
-                <ma14:wrappingTextBoxFlag xmlns="" xmlns:m="http://schemas.openxmlformats.org/officeDocument/2006/math" xmlns:a14="http://schemas.microsoft.com/office/drawing/2010/main" xmlns:ma14="http://schemas.microsoft.com/office/mac/drawingml/2011/main" val="1"/>
-              </a:ext>
-            </a:extLst>
-          </p:spPr>
-          <p:txBody>
-            <a:bodyPr wrap="square" lIns="0" tIns="0" rIns="0" bIns="0" numCol="1" anchor="t">
-              <a:spAutoFit/>
-            </a:bodyPr>
-            <a:lstStyle>
-              <a:lvl1pPr>
-                <a:lnSpc>
-                  <a:spcPts val="6900"/>
-                </a:lnSpc>
-                <a:defRPr sz="5800" spc="-116">
-                  <a:solidFill>
-                    <a:srgbClr val="FFFFFF"/>
-                  </a:solidFill>
-                  <a:latin typeface="Montserrat Thin Bold"/>
-                  <a:ea typeface="Montserrat Thin Bold"/>
-                  <a:cs typeface="Montserrat Thin Bold"/>
-                  <a:sym typeface="Montserrat Thin Bold"/>
-                </a:defRPr>
-              </a:lvl1pPr>
-            </a:lstStyle>
-            <a:p>
-              <a:r>
-                <a:t>Resources page</a:t>
-              </a:r>
-            </a:p>
-          </p:txBody>
-        </p:sp>
-        <p:sp>
-          <p:nvSpPr>
-            <p:cNvPr id="325" name="TextBox 6"/>
-            <p:cNvSpPr txBox="1"/>
-            <p:nvPr/>
-          </p:nvSpPr>
-          <p:spPr>
-            <a:xfrm>
-              <a:off x="-1" y="2204747"/>
-              <a:ext cx="5016437" cy="899468"/>
-            </a:xfrm>
-            <a:prstGeom prst="rect">
-              <a:avLst/>
-            </a:prstGeom>
-            <a:noFill/>
-            <a:ln w="12700" cap="flat">
-              <a:noFill/>
-              <a:miter lim="400000"/>
-            </a:ln>
-            <a:effectLst/>
-            <a:extLst>
-              <a:ext uri="{C572A759-6A51-4108-AA02-DFA0A04FC94B}">
-                <ma14:wrappingTextBoxFlag xmlns="" xmlns:m="http://schemas.openxmlformats.org/officeDocument/2006/math" xmlns:a14="http://schemas.microsoft.com/office/drawing/2010/main" xmlns:ma14="http://schemas.microsoft.com/office/mac/drawingml/2011/main" val="1"/>
-              </a:ext>
-            </a:extLst>
-          </p:spPr>
-          <p:txBody>
-            <a:bodyPr wrap="square" lIns="0" tIns="0" rIns="0" bIns="0" numCol="1" anchor="t">
-              <a:spAutoFit/>
-            </a:bodyPr>
-            <a:lstStyle>
-              <a:lvl1pPr>
-                <a:lnSpc>
-                  <a:spcPts val="3600"/>
-                </a:lnSpc>
-                <a:defRPr sz="2400" spc="-72">
-                  <a:solidFill>
-                    <a:srgbClr val="FFFFFF"/>
-                  </a:solidFill>
-                </a:defRPr>
-              </a:lvl1pPr>
-            </a:lstStyle>
-            <a:p>
-              <a:r>
-                <a:t>Download the font here. Have a good time designing!</a:t>
-              </a:r>
-            </a:p>
-          </p:txBody>
-        </p:sp>
-      </p:grpSp>
-      <p:sp>
-        <p:nvSpPr>
-          <p:cNvPr id="327" name="TextBox 7"/>
-          <p:cNvSpPr txBox="1"/>
-          <p:nvPr/>
-        </p:nvSpPr>
-        <p:spPr>
-          <a:xfrm>
-            <a:off x="9144000" y="4441255"/>
-            <a:ext cx="7880185" cy="4442069"/>
-          </a:xfrm>
-          <a:prstGeom prst="rect">
-            <a:avLst/>
-          </a:prstGeom>
-          <a:ln w="12700">
-            <a:miter lim="400000"/>
-          </a:ln>
-          <a:extLst>
-            <a:ext uri="{C572A759-6A51-4108-AA02-DFA0A04FC94B}">
-              <ma14:wrappingTextBoxFlag xmlns="" xmlns:m="http://schemas.openxmlformats.org/officeDocument/2006/math" xmlns:a14="http://schemas.microsoft.com/office/drawing/2010/main" xmlns:ma14="http://schemas.microsoft.com/office/mac/drawingml/2011/main" val="1"/>
-            </a:ext>
-          </a:extLst>
-        </p:spPr>
-        <p:txBody>
-          <a:bodyPr lIns="0" tIns="0" rIns="0" bIns="0">
-            <a:spAutoFit/>
-          </a:bodyPr>
-          <a:lstStyle/>
+              <a:rPr lang="pt-BR" dirty="0"/>
+              <a:t>Muito obrigado!</a:t>
+            </a:r>
+          </a:p>
           <a:p>
             <a:pPr>
               <a:lnSpc>
-                <a:spcPts val="2500"/>
+                <a:spcPts val="8600"/>
               </a:lnSpc>
-              <a:defRPr sz="1900"/>
-            </a:pPr>
-            <a:r>
-              <a:t>For install:</a:t>
-            </a:r>
-          </a:p>
-          <a:p>
-            <a:pPr>
-              <a:lnSpc>
-                <a:spcPts val="2500"/>
-              </a:lnSpc>
-            </a:pPr>
-            <a:endParaRPr/>
-          </a:p>
-          <a:p>
-            <a:pPr>
-              <a:lnSpc>
-                <a:spcPts val="2500"/>
-              </a:lnSpc>
-              <a:defRPr sz="1900"/>
-            </a:pPr>
-            <a:r>
-              <a:t>1. Double click on the files</a:t>
-            </a:r>
-          </a:p>
-          <a:p>
-            <a:pPr>
-              <a:lnSpc>
-                <a:spcPts val="2500"/>
-              </a:lnSpc>
-            </a:pPr>
-            <a:endParaRPr/>
-          </a:p>
-          <a:p>
-            <a:pPr>
-              <a:lnSpc>
-                <a:spcPts val="2500"/>
-              </a:lnSpc>
-              <a:defRPr sz="1900"/>
-            </a:pPr>
-            <a:r>
-              <a:t>2. A font preview window will open. In the upper left part you will find the button ‹‹Install››, click it.</a:t>
-            </a:r>
-          </a:p>
-          <a:p>
-            <a:pPr>
-              <a:lnSpc>
-                <a:spcPts val="2500"/>
-              </a:lnSpc>
-            </a:pPr>
-            <a:endParaRPr/>
-          </a:p>
-          <a:p>
-            <a:pPr>
-              <a:lnSpc>
-                <a:spcPts val="2500"/>
-              </a:lnSpc>
-              <a:defRPr sz="1900"/>
-            </a:pPr>
-            <a:r>
-              <a:t>In MacOS operating systems, you will find the button in the lower right part.</a:t>
-            </a:r>
-          </a:p>
-          <a:p>
-            <a:pPr>
-              <a:lnSpc>
-                <a:spcPts val="2500"/>
-              </a:lnSpc>
-            </a:pPr>
-            <a:endParaRPr/>
-          </a:p>
-          <a:p>
-            <a:pPr>
-              <a:lnSpc>
-                <a:spcPts val="2500"/>
-              </a:lnSpc>
-              <a:defRPr sz="1900"/>
-            </a:pPr>
-            <a:r>
-              <a:t>3. The font will be installed in the operating system.</a:t>
-            </a:r>
-          </a:p>
-          <a:p>
-            <a:pPr>
-              <a:lnSpc>
-                <a:spcPts val="2500"/>
-              </a:lnSpc>
-            </a:pPr>
-            <a:endParaRPr/>
-          </a:p>
-          <a:p>
-            <a:pPr>
-              <a:lnSpc>
-                <a:spcPts val="2500"/>
-              </a:lnSpc>
-              <a:defRPr sz="1900"/>
-            </a:pPr>
-            <a:r>
-              <a:t>For its use, from the interface of the program, it resorts to the previously listed nomenclature.</a:t>
-            </a:r>
-          </a:p>
-        </p:txBody>
-      </p:sp>
-      <p:sp>
-        <p:nvSpPr>
-          <p:cNvPr id="328" name="TextBox 8"/>
-          <p:cNvSpPr txBox="1"/>
-          <p:nvPr/>
-        </p:nvSpPr>
-        <p:spPr>
-          <a:xfrm>
-            <a:off x="9144000" y="3409682"/>
-            <a:ext cx="8115300" cy="398440"/>
-          </a:xfrm>
-          <a:prstGeom prst="rect">
-            <a:avLst/>
-          </a:prstGeom>
-          <a:ln w="12700">
-            <a:miter lim="400000"/>
-          </a:ln>
-          <a:extLst>
-            <a:ext uri="{C572A759-6A51-4108-AA02-DFA0A04FC94B}">
-              <ma14:wrappingTextBoxFlag xmlns="" xmlns:m="http://schemas.openxmlformats.org/officeDocument/2006/math" xmlns:a14="http://schemas.microsoft.com/office/drawing/2010/main" xmlns:ma14="http://schemas.microsoft.com/office/mac/drawingml/2011/main" val="1"/>
-            </a:ext>
-          </a:extLst>
-        </p:spPr>
-        <p:txBody>
-          <a:bodyPr lIns="0" tIns="0" rIns="0" bIns="0">
-            <a:spAutoFit/>
-          </a:bodyPr>
-          <a:lstStyle>
-            <a:lvl1pPr>
-              <a:lnSpc>
-                <a:spcPts val="3200"/>
-              </a:lnSpc>
-              <a:defRPr sz="2300" u="sng" spc="239">
-                <a:solidFill>
-                  <a:srgbClr val="E5AB55"/>
-                </a:solidFill>
-              </a:defRPr>
-            </a:lvl1pPr>
-          </a:lstStyle>
-          <a:p>
-            <a:r>
-              <a:t>DOWNLOAD HERE:</a:t>
-            </a:r>
-          </a:p>
-        </p:txBody>
-      </p:sp>
-      <p:sp>
-        <p:nvSpPr>
-          <p:cNvPr id="329" name="TextBox 9"/>
-          <p:cNvSpPr txBox="1"/>
-          <p:nvPr/>
-        </p:nvSpPr>
-        <p:spPr>
-          <a:xfrm>
-            <a:off x="9144000" y="1108641"/>
-            <a:ext cx="8426386" cy="2247373"/>
-          </a:xfrm>
-          <a:prstGeom prst="rect">
-            <a:avLst/>
-          </a:prstGeom>
-          <a:ln w="12700">
-            <a:miter lim="400000"/>
-          </a:ln>
-          <a:extLst>
-            <a:ext uri="{C572A759-6A51-4108-AA02-DFA0A04FC94B}">
-              <ma14:wrappingTextBoxFlag xmlns="" xmlns:m="http://schemas.openxmlformats.org/officeDocument/2006/math" xmlns:a14="http://schemas.microsoft.com/office/drawing/2010/main" xmlns:ma14="http://schemas.microsoft.com/office/mac/drawingml/2011/main" val="1"/>
-            </a:ext>
-          </a:extLst>
-        </p:spPr>
-        <p:txBody>
-          <a:bodyPr lIns="0" tIns="0" rIns="0" bIns="0">
-            <a:spAutoFit/>
-          </a:bodyPr>
-          <a:lstStyle>
-            <a:lvl1pPr>
-              <a:lnSpc>
-                <a:spcPts val="5800"/>
-              </a:lnSpc>
-              <a:defRPr sz="5800">
+              <a:defRPr sz="5700">
                 <a:latin typeface="Montserrat Thin Bold"/>
                 <a:ea typeface="Montserrat Thin Bold"/>
                 <a:cs typeface="Montserrat Thin Bold"/>
                 <a:sym typeface="Montserrat Thin Bold"/>
               </a:defRPr>
-            </a:lvl1pPr>
-          </a:lstStyle>
-          <a:p>
-            <a:r>
-              <a:t>How to download and install the Monserrat font?</a:t>
-            </a:r>
-          </a:p>
-        </p:txBody>
-      </p:sp>
-      <p:sp>
-        <p:nvSpPr>
-          <p:cNvPr id="330" name="TextBox 10"/>
-          <p:cNvSpPr txBox="1"/>
-          <p:nvPr/>
-        </p:nvSpPr>
-        <p:spPr>
-          <a:xfrm>
-            <a:off x="9144000" y="3887873"/>
-            <a:ext cx="8616392" cy="274525"/>
-          </a:xfrm>
-          <a:prstGeom prst="rect">
-            <a:avLst/>
-          </a:prstGeom>
-          <a:ln w="12700">
-            <a:miter lim="400000"/>
-          </a:ln>
-          <a:extLst>
-            <a:ext uri="{C572A759-6A51-4108-AA02-DFA0A04FC94B}">
-              <ma14:wrappingTextBoxFlag xmlns="" xmlns:m="http://schemas.openxmlformats.org/officeDocument/2006/math" xmlns:a14="http://schemas.microsoft.com/office/drawing/2010/main" xmlns:ma14="http://schemas.microsoft.com/office/mac/drawingml/2011/main" val="1"/>
-            </a:ext>
-          </a:extLst>
-        </p:spPr>
-        <p:txBody>
-          <a:bodyPr lIns="0" tIns="0" rIns="0" bIns="0">
-            <a:spAutoFit/>
-          </a:bodyPr>
-          <a:lstStyle>
-            <a:lvl1pPr>
+            </a:pPr>
+            <a:r>
+              <a:rPr lang="pt-BR" dirty="0" err="1">
+                <a:solidFill>
+                  <a:srgbClr val="002060"/>
+                </a:solidFill>
+              </a:rPr>
+              <a:t>Muchas</a:t>
+            </a:r>
+            <a:r>
+              <a:rPr lang="pt-BR" dirty="0">
+                <a:solidFill>
+                  <a:srgbClr val="002060"/>
+                </a:solidFill>
+              </a:rPr>
+              <a:t> </a:t>
+            </a:r>
+            <a:r>
+              <a:rPr lang="pt-BR" dirty="0" err="1">
+                <a:solidFill>
+                  <a:srgbClr val="002060"/>
+                </a:solidFill>
+              </a:rPr>
+              <a:t>gracias</a:t>
+            </a:r>
+            <a:r>
+              <a:rPr lang="pt-BR" dirty="0">
+                <a:solidFill>
+                  <a:srgbClr val="002060"/>
+                </a:solidFill>
+              </a:rPr>
+              <a:t>!</a:t>
+            </a:r>
+          </a:p>
+          <a:p>
+            <a:pPr>
               <a:lnSpc>
-                <a:spcPts val="2200"/>
+                <a:spcPts val="8600"/>
               </a:lnSpc>
-              <a:defRPr sz="1600" u="sng" spc="169">
+              <a:defRPr sz="5700">
+                <a:latin typeface="Montserrat Thin Bold"/>
+                <a:ea typeface="Montserrat Thin Bold"/>
+                <a:cs typeface="Montserrat Thin Bold"/>
+                <a:sym typeface="Montserrat Thin Bold"/>
+              </a:defRPr>
+            </a:pPr>
+            <a:r>
+              <a:rPr lang="pt-BR" dirty="0" err="1">
                 <a:solidFill>
                   <a:srgbClr val="E5AB55"/>
                 </a:solidFill>
-              </a:defRPr>
-            </a:lvl1pPr>
-          </a:lstStyle>
-          <a:p>
-            <a:r>
-              <a:t>HTTPS://FONTS.GOOGLE.COM/DOWNLOAD?FAMILY=MONTSERRAT</a:t>
-            </a:r>
+              </a:rPr>
+              <a:t>Thank</a:t>
+            </a:r>
+            <a:r>
+              <a:rPr lang="pt-BR" dirty="0">
+                <a:solidFill>
+                  <a:srgbClr val="E5AB55"/>
+                </a:solidFill>
+              </a:rPr>
+              <a:t> </a:t>
+            </a:r>
+            <a:r>
+              <a:rPr lang="pt-BR" dirty="0" err="1">
+                <a:solidFill>
+                  <a:srgbClr val="E5AB55"/>
+                </a:solidFill>
+              </a:rPr>
+              <a:t>you</a:t>
+            </a:r>
+            <a:r>
+              <a:rPr lang="pt-BR" dirty="0">
+                <a:solidFill>
+                  <a:srgbClr val="E5AB55"/>
+                </a:solidFill>
+              </a:rPr>
+              <a:t>!</a:t>
+            </a:r>
+            <a:endParaRPr dirty="0">
+              <a:solidFill>
+                <a:srgbClr val="E5AB55"/>
+              </a:solidFill>
+            </a:endParaRPr>
           </a:p>
         </p:txBody>
       </p:sp>
@@ -4421,7 +3823,7 @@
           </a:ln>
           <a:extLst>
             <a:ext uri="{C572A759-6A51-4108-AA02-DFA0A04FC94B}">
-              <ma14:wrappingTextBoxFlag xmlns="" xmlns:m="http://schemas.openxmlformats.org/officeDocument/2006/math" xmlns:a14="http://schemas.microsoft.com/office/drawing/2010/main" xmlns:ma14="http://schemas.microsoft.com/office/mac/drawingml/2011/main" val="1"/>
+              <ma14:wrappingTextBoxFlag xmlns:ma14="http://schemas.microsoft.com/office/mac/drawingml/2011/main" xmlns:a14="http://schemas.microsoft.com/office/drawing/2010/main" xmlns:m="http://schemas.openxmlformats.org/officeDocument/2006/math" xmlns="" val="1"/>
             </a:ext>
           </a:extLst>
         </p:spPr>
@@ -4509,7 +3911,7 @@
           </a:ln>
           <a:extLst>
             <a:ext uri="{C572A759-6A51-4108-AA02-DFA0A04FC94B}">
-              <ma14:wrappingTextBoxFlag xmlns="" xmlns:m="http://schemas.openxmlformats.org/officeDocument/2006/math" xmlns:a14="http://schemas.microsoft.com/office/drawing/2010/main" xmlns:ma14="http://schemas.microsoft.com/office/mac/drawingml/2011/main" val="1"/>
+              <ma14:wrappingTextBoxFlag xmlns:ma14="http://schemas.microsoft.com/office/mac/drawingml/2011/main" xmlns:a14="http://schemas.microsoft.com/office/drawing/2010/main" xmlns:m="http://schemas.openxmlformats.org/officeDocument/2006/math" xmlns="" val="1"/>
             </a:ext>
           </a:extLst>
         </p:spPr>
@@ -4561,7 +3963,7 @@
           </a:ln>
           <a:extLst>
             <a:ext uri="{C572A759-6A51-4108-AA02-DFA0A04FC94B}">
-              <ma14:wrappingTextBoxFlag xmlns="" xmlns:m="http://schemas.openxmlformats.org/officeDocument/2006/math" xmlns:a14="http://schemas.microsoft.com/office/drawing/2010/main" xmlns:ma14="http://schemas.microsoft.com/office/mac/drawingml/2011/main" val="1"/>
+              <ma14:wrappingTextBoxFlag xmlns:ma14="http://schemas.microsoft.com/office/mac/drawingml/2011/main" xmlns:a14="http://schemas.microsoft.com/office/drawing/2010/main" xmlns:m="http://schemas.openxmlformats.org/officeDocument/2006/math" xmlns="" val="1"/>
             </a:ext>
           </a:extLst>
         </p:spPr>
@@ -4693,7 +4095,7 @@
           </a:ln>
           <a:extLst>
             <a:ext uri="{C572A759-6A51-4108-AA02-DFA0A04FC94B}">
-              <ma14:wrappingTextBoxFlag xmlns="" xmlns:m="http://schemas.openxmlformats.org/officeDocument/2006/math" xmlns:a14="http://schemas.microsoft.com/office/drawing/2010/main" xmlns:ma14="http://schemas.microsoft.com/office/mac/drawingml/2011/main" val="1"/>
+              <ma14:wrappingTextBoxFlag xmlns:ma14="http://schemas.microsoft.com/office/mac/drawingml/2011/main" xmlns:a14="http://schemas.microsoft.com/office/drawing/2010/main" xmlns:m="http://schemas.openxmlformats.org/officeDocument/2006/math" xmlns="" val="1"/>
             </a:ext>
           </a:extLst>
         </p:spPr>
@@ -4741,7 +4143,7 @@
           </a:ln>
           <a:extLst>
             <a:ext uri="{C572A759-6A51-4108-AA02-DFA0A04FC94B}">
-              <ma14:wrappingTextBoxFlag xmlns="" xmlns:m="http://schemas.openxmlformats.org/officeDocument/2006/math" xmlns:a14="http://schemas.microsoft.com/office/drawing/2010/main" xmlns:ma14="http://schemas.microsoft.com/office/mac/drawingml/2011/main" val="1"/>
+              <ma14:wrappingTextBoxFlag xmlns:ma14="http://schemas.microsoft.com/office/mac/drawingml/2011/main" xmlns:a14="http://schemas.microsoft.com/office/drawing/2010/main" xmlns:m="http://schemas.openxmlformats.org/officeDocument/2006/math" xmlns="" val="1"/>
             </a:ext>
           </a:extLst>
         </p:spPr>
@@ -4826,7 +4228,7 @@
           </a:ln>
           <a:extLst>
             <a:ext uri="{C572A759-6A51-4108-AA02-DFA0A04FC94B}">
-              <ma14:wrappingTextBoxFlag xmlns="" xmlns:m="http://schemas.openxmlformats.org/officeDocument/2006/math" xmlns:a14="http://schemas.microsoft.com/office/drawing/2010/main" xmlns:ma14="http://schemas.microsoft.com/office/mac/drawingml/2011/main" val="1"/>
+              <ma14:wrappingTextBoxFlag xmlns:ma14="http://schemas.microsoft.com/office/mac/drawingml/2011/main" xmlns:a14="http://schemas.microsoft.com/office/drawing/2010/main" xmlns:m="http://schemas.openxmlformats.org/officeDocument/2006/math" xmlns="" val="1"/>
             </a:ext>
           </a:extLst>
         </p:spPr>
@@ -5325,34 +4727,6 @@
           <a:chExt cx="0" cy="0"/>
         </a:xfrm>
       </p:grpSpPr>
-      <p:pic>
-        <p:nvPicPr>
-          <p:cNvPr id="137" name="Picture 2" descr="Picture 2"/>
-          <p:cNvPicPr>
-            <a:picLocks noChangeAspect="1"/>
-          </p:cNvPicPr>
-          <p:nvPr/>
-        </p:nvPicPr>
-        <p:blipFill>
-          <a:blip r:embed="rId2"/>
-          <a:srcRect l="15809"/>
-          <a:stretch>
-            <a:fillRect/>
-          </a:stretch>
-        </p:blipFill>
-        <p:spPr>
-          <a:xfrm>
-            <a:off x="-12470" y="0"/>
-            <a:ext cx="8660558" cy="10287000"/>
-          </a:xfrm>
-          <a:prstGeom prst="rect">
-            <a:avLst/>
-          </a:prstGeom>
-          <a:ln w="12700">
-            <a:miter lim="400000"/>
-          </a:ln>
-        </p:spPr>
-      </p:pic>
       <p:sp>
         <p:nvSpPr>
           <p:cNvPr id="140" name="TextBox 19"/>
@@ -5361,8 +4735,8 @@
         </p:nvSpPr>
         <p:spPr>
           <a:xfrm>
-            <a:off x="9378173" y="460632"/>
-            <a:ext cx="8426386" cy="743793"/>
+            <a:off x="886690" y="460632"/>
+            <a:ext cx="4739723" cy="743793"/>
           </a:xfrm>
           <a:prstGeom prst="rect">
             <a:avLst/>
@@ -5372,12 +4746,12 @@
           </a:ln>
           <a:extLst>
             <a:ext uri="{C572A759-6A51-4108-AA02-DFA0A04FC94B}">
-              <ma14:wrappingTextBoxFlag xmlns="" xmlns:m="http://schemas.openxmlformats.org/officeDocument/2006/math" xmlns:a14="http://schemas.microsoft.com/office/drawing/2010/main" xmlns:ma14="http://schemas.microsoft.com/office/mac/drawingml/2011/main" val="1"/>
+              <ma14:wrappingTextBoxFlag xmlns:ma14="http://schemas.microsoft.com/office/mac/drawingml/2011/main" xmlns:a14="http://schemas.microsoft.com/office/drawing/2010/main" xmlns:m="http://schemas.openxmlformats.org/officeDocument/2006/math" xmlns="" val="1"/>
             </a:ext>
           </a:extLst>
         </p:spPr>
         <p:txBody>
-          <a:bodyPr lIns="0" tIns="0" rIns="0" bIns="0">
+          <a:bodyPr wrap="square" lIns="0" tIns="0" rIns="0" bIns="0">
             <a:spAutoFit/>
           </a:bodyPr>
           <a:lstStyle/>
@@ -5407,10 +4781,10 @@
       </p:sp>
       <p:pic>
         <p:nvPicPr>
-          <p:cNvPr id="3" name="Imagem 2" descr="Diagrama, Diagrama de Venn&#10;&#10;Descrição gerada automaticamente">
+          <p:cNvPr id="4" name="Imagem 3" descr="Diagrama, Diagrama de Venn&#10;&#10;Descrição gerada automaticamente">
             <a:extLst>
               <a:ext uri="{FF2B5EF4-FFF2-40B4-BE49-F238E27FC236}">
-                <a16:creationId xmlns:a16="http://schemas.microsoft.com/office/drawing/2014/main" id="{500F75D4-F9F4-4D0B-FD39-5F29120164BC}"/>
+                <a16:creationId xmlns:a16="http://schemas.microsoft.com/office/drawing/2014/main" id="{38E221E7-7671-CA3F-CCB3-26C7708F2AEE}"/>
               </a:ext>
             </a:extLst>
           </p:cNvPr>
@@ -5420,7 +4794,7 @@
           <p:nvPr/>
         </p:nvPicPr>
         <p:blipFill>
-          <a:blip r:embed="rId3">
+          <a:blip r:embed="rId2">
             <a:extLst>
               <a:ext uri="{28A0092B-C50C-407E-A947-70E740481C1C}">
                 <a14:useLocalDpi xmlns:a14="http://schemas.microsoft.com/office/drawing/2010/main" val="0"/>
@@ -5433,8 +4807,8 @@
         </p:blipFill>
         <p:spPr>
           <a:xfrm>
-            <a:off x="9261086" y="1650576"/>
-            <a:ext cx="8660559" cy="8175792"/>
+            <a:off x="4408074" y="1097072"/>
+            <a:ext cx="8887251" cy="8389795"/>
           </a:xfrm>
           <a:prstGeom prst="rect">
             <a:avLst/>
@@ -5905,7 +5279,7 @@
           </a:ln>
           <a:extLst>
             <a:ext uri="{C572A759-6A51-4108-AA02-DFA0A04FC94B}">
-              <ma14:wrappingTextBoxFlag xmlns="" xmlns:m="http://schemas.openxmlformats.org/officeDocument/2006/math" xmlns:a14="http://schemas.microsoft.com/office/drawing/2010/main" xmlns:ma14="http://schemas.microsoft.com/office/mac/drawingml/2011/main" val="1"/>
+              <ma14:wrappingTextBoxFlag xmlns:ma14="http://schemas.microsoft.com/office/mac/drawingml/2011/main" xmlns:a14="http://schemas.microsoft.com/office/drawing/2010/main" xmlns:m="http://schemas.openxmlformats.org/officeDocument/2006/math" xmlns="" val="1"/>
             </a:ext>
           </a:extLst>
         </p:spPr>
